--- a/Scripts/templates/I2V templates.pptx
+++ b/Scripts/templates/I2V templates.pptx
@@ -200,7 +200,7 @@
           <a:p>
             <a:fld id="{B5D6417E-267F-B340-921F-2BE1F4386BD8}" type="datetimeFigureOut">
               <a:rPr lang="en-TW" smtClean="0"/>
-              <a:t>2025/8/12</a:t>
+              <a:t>2025/10/2</a:t>
             </a:fld>
             <a:endParaRPr lang="en-TW"/>
           </a:p>
@@ -617,7 +617,7 @@
           <a:p>
             <a:fld id="{1B18B556-6596-E04A-9A94-BF47DB4EF23C}" type="datetimeFigureOut">
               <a:rPr lang="en-TW" smtClean="0"/>
-              <a:t>2025/8/12</a:t>
+              <a:t>2025/10/2</a:t>
             </a:fld>
             <a:endParaRPr lang="en-TW"/>
           </a:p>
@@ -930,7 +930,7 @@
           <a:p>
             <a:fld id="{1B18B556-6596-E04A-9A94-BF47DB4EF23C}" type="datetimeFigureOut">
               <a:rPr lang="en-TW" smtClean="0"/>
-              <a:t>2025/8/12</a:t>
+              <a:t>2025/10/2</a:t>
             </a:fld>
             <a:endParaRPr lang="en-TW"/>
           </a:p>
@@ -1223,7 +1223,7 @@
           <a:p>
             <a:fld id="{1B18B556-6596-E04A-9A94-BF47DB4EF23C}" type="datetimeFigureOut">
               <a:rPr lang="en-TW" smtClean="0"/>
-              <a:t>2025/8/12</a:t>
+              <a:t>2025/10/2</a:t>
             </a:fld>
             <a:endParaRPr lang="en-TW"/>
           </a:p>
@@ -1423,7 +1423,7 @@
           <a:p>
             <a:fld id="{1B18B556-6596-E04A-9A94-BF47DB4EF23C}" type="datetimeFigureOut">
               <a:rPr lang="en-TW" smtClean="0"/>
-              <a:t>2025/8/12</a:t>
+              <a:t>2025/10/2</a:t>
             </a:fld>
             <a:endParaRPr lang="en-TW"/>
           </a:p>
@@ -1633,7 +1633,7 @@
           <a:p>
             <a:fld id="{1B18B556-6596-E04A-9A94-BF47DB4EF23C}" type="datetimeFigureOut">
               <a:rPr lang="en-TW" smtClean="0"/>
-              <a:t>2025/8/12</a:t>
+              <a:t>2025/10/2</a:t>
             </a:fld>
             <a:endParaRPr lang="en-TW"/>
           </a:p>
@@ -1833,7 +1833,7 @@
           <a:p>
             <a:fld id="{1B18B556-6596-E04A-9A94-BF47DB4EF23C}" type="datetimeFigureOut">
               <a:rPr lang="en-TW" smtClean="0"/>
-              <a:t>2025/8/12</a:t>
+              <a:t>2025/10/2</a:t>
             </a:fld>
             <a:endParaRPr lang="en-TW"/>
           </a:p>
@@ -2109,7 +2109,7 @@
           <a:p>
             <a:fld id="{1B18B556-6596-E04A-9A94-BF47DB4EF23C}" type="datetimeFigureOut">
               <a:rPr lang="en-TW" smtClean="0"/>
-              <a:t>2025/8/12</a:t>
+              <a:t>2025/10/2</a:t>
             </a:fld>
             <a:endParaRPr lang="en-TW"/>
           </a:p>
@@ -2377,7 +2377,7 @@
           <a:p>
             <a:fld id="{1B18B556-6596-E04A-9A94-BF47DB4EF23C}" type="datetimeFigureOut">
               <a:rPr lang="en-TW" smtClean="0"/>
-              <a:t>2025/8/12</a:t>
+              <a:t>2025/10/2</a:t>
             </a:fld>
             <a:endParaRPr lang="en-TW"/>
           </a:p>
@@ -2792,7 +2792,7 @@
           <a:p>
             <a:fld id="{1B18B556-6596-E04A-9A94-BF47DB4EF23C}" type="datetimeFigureOut">
               <a:rPr lang="en-TW" smtClean="0"/>
-              <a:t>2025/8/12</a:t>
+              <a:t>2025/10/2</a:t>
             </a:fld>
             <a:endParaRPr lang="en-TW"/>
           </a:p>
@@ -2934,7 +2934,7 @@
           <a:p>
             <a:fld id="{1B18B556-6596-E04A-9A94-BF47DB4EF23C}" type="datetimeFigureOut">
               <a:rPr lang="en-TW" smtClean="0"/>
-              <a:t>2025/8/12</a:t>
+              <a:t>2025/10/2</a:t>
             </a:fld>
             <a:endParaRPr lang="en-TW"/>
           </a:p>
@@ -3746,7 +3746,7 @@
           <a:p>
             <a:fld id="{1B18B556-6596-E04A-9A94-BF47DB4EF23C}" type="datetimeFigureOut">
               <a:rPr lang="en-TW" smtClean="0"/>
-              <a:t>2025/8/12</a:t>
+              <a:t>2025/10/2</a:t>
             </a:fld>
             <a:endParaRPr lang="en-TW"/>
           </a:p>
@@ -3989,7 +3989,7 @@
           <a:p>
             <a:fld id="{1B18B556-6596-E04A-9A94-BF47DB4EF23C}" type="datetimeFigureOut">
               <a:rPr lang="en-TW" smtClean="0"/>
-              <a:t>2025/8/12</a:t>
+              <a:t>2025/10/2</a:t>
             </a:fld>
             <a:endParaRPr lang="en-TW"/>
           </a:p>
@@ -4584,7 +4584,7 @@
             <p:ph idx="1"/>
             <p:extLst>
               <p:ext uri="{D42A27DB-BD31-4B8C-83A1-F6EECF244321}">
-                <p14:modId xmlns:p14="http://schemas.microsoft.com/office/powerpoint/2010/main" val="2634581216"/>
+                <p14:modId xmlns:p14="http://schemas.microsoft.com/office/powerpoint/2010/main" val="3848059934"/>
               </p:ext>
             </p:extLst>
           </p:nvPr>
@@ -4643,17 +4643,6 @@
                     <a:lstStyle/>
                     <a:p>
                       <a:pPr algn="ctr"/>
-                      <a:endParaRPr lang="en-TW"/>
-                    </a:p>
-                  </a:txBody>
-                  <a:tcPr anchor="ctr"/>
-                </a:tc>
-                <a:tc>
-                  <a:txBody>
-                    <a:bodyPr/>
-                    <a:lstStyle/>
-                    <a:p>
-                      <a:pPr algn="ctr"/>
                       <a:endParaRPr lang="en-TW" dirty="0"/>
                     </a:p>
                   </a:txBody>
@@ -4665,7 +4654,10 @@
                     <a:lstStyle/>
                     <a:p>
                       <a:pPr algn="ctr"/>
-                      <a:endParaRPr lang="en-TW" dirty="0"/>
+                      <a:r>
+                        <a:rPr lang="en-TW" dirty="0"/>
+                        <a:t>Pass符合prompt</a:t>
+                      </a:r>
                     </a:p>
                   </a:txBody>
                   <a:tcPr anchor="ctr"/>
@@ -4676,7 +4668,10 @@
                     <a:lstStyle/>
                     <a:p>
                       <a:pPr algn="ctr"/>
-                      <a:endParaRPr lang="en-TW"/>
+                      <a:r>
+                        <a:rPr lang="en-TW" dirty="0"/>
+                        <a:t>Pass不合prompt</a:t>
+                      </a:r>
                     </a:p>
                   </a:txBody>
                   <a:tcPr anchor="ctr"/>
@@ -4687,7 +4682,33 @@
                     <a:lstStyle/>
                     <a:p>
                       <a:pPr algn="ctr"/>
-                      <a:endParaRPr lang="en-TW"/>
+                      <a:r>
+                        <a:rPr lang="en-TW" dirty="0"/>
+                        <a:t>Note</a:t>
+                      </a:r>
+                    </a:p>
+                  </a:txBody>
+                  <a:tcPr anchor="ctr"/>
+                </a:tc>
+                <a:tc>
+                  <a:txBody>
+                    <a:bodyPr/>
+                    <a:lstStyle/>
+                    <a:p>
+                      <a:pPr algn="ctr"/>
+                      <a:r>
+                        <a:rPr lang="en-TW" dirty="0"/>
+                        <a:t>PM</a:t>
+                      </a:r>
+                      <a:r>
+                        <a:rPr lang="zh-TW" altLang="en-US" dirty="0"/>
+                        <a:t> </a:t>
+                      </a:r>
+                      <a:r>
+                        <a:rPr lang="en-US" altLang="zh-TW" dirty="0"/>
+                        <a:t>Comment</a:t>
+                      </a:r>
+                      <a:endParaRPr lang="en-TW" dirty="0"/>
                     </a:p>
                   </a:txBody>
                   <a:tcPr anchor="ctr"/>

--- a/Scripts/templates/I2V templates.pptx
+++ b/Scripts/templates/I2V templates.pptx
@@ -200,7 +200,7 @@
           <a:p>
             <a:fld id="{B5D6417E-267F-B340-921F-2BE1F4386BD8}" type="datetimeFigureOut">
               <a:rPr lang="en-TW" smtClean="0"/>
-              <a:t>2025/10/2</a:t>
+              <a:t>2025/10/17</a:t>
             </a:fld>
             <a:endParaRPr lang="en-TW"/>
           </a:p>
@@ -617,7 +617,7 @@
           <a:p>
             <a:fld id="{1B18B556-6596-E04A-9A94-BF47DB4EF23C}" type="datetimeFigureOut">
               <a:rPr lang="en-TW" smtClean="0"/>
-              <a:t>2025/10/2</a:t>
+              <a:t>2025/10/17</a:t>
             </a:fld>
             <a:endParaRPr lang="en-TW"/>
           </a:p>
@@ -930,7 +930,7 @@
           <a:p>
             <a:fld id="{1B18B556-6596-E04A-9A94-BF47DB4EF23C}" type="datetimeFigureOut">
               <a:rPr lang="en-TW" smtClean="0"/>
-              <a:t>2025/10/2</a:t>
+              <a:t>2025/10/17</a:t>
             </a:fld>
             <a:endParaRPr lang="en-TW"/>
           </a:p>
@@ -1223,7 +1223,7 @@
           <a:p>
             <a:fld id="{1B18B556-6596-E04A-9A94-BF47DB4EF23C}" type="datetimeFigureOut">
               <a:rPr lang="en-TW" smtClean="0"/>
-              <a:t>2025/10/2</a:t>
+              <a:t>2025/10/17</a:t>
             </a:fld>
             <a:endParaRPr lang="en-TW"/>
           </a:p>
@@ -1423,7 +1423,7 @@
           <a:p>
             <a:fld id="{1B18B556-6596-E04A-9A94-BF47DB4EF23C}" type="datetimeFigureOut">
               <a:rPr lang="en-TW" smtClean="0"/>
-              <a:t>2025/10/2</a:t>
+              <a:t>2025/10/17</a:t>
             </a:fld>
             <a:endParaRPr lang="en-TW"/>
           </a:p>
@@ -1633,7 +1633,7 @@
           <a:p>
             <a:fld id="{1B18B556-6596-E04A-9A94-BF47DB4EF23C}" type="datetimeFigureOut">
               <a:rPr lang="en-TW" smtClean="0"/>
-              <a:t>2025/10/2</a:t>
+              <a:t>2025/10/17</a:t>
             </a:fld>
             <a:endParaRPr lang="en-TW"/>
           </a:p>
@@ -1833,7 +1833,7 @@
           <a:p>
             <a:fld id="{1B18B556-6596-E04A-9A94-BF47DB4EF23C}" type="datetimeFigureOut">
               <a:rPr lang="en-TW" smtClean="0"/>
-              <a:t>2025/10/2</a:t>
+              <a:t>2025/10/17</a:t>
             </a:fld>
             <a:endParaRPr lang="en-TW"/>
           </a:p>
@@ -2109,7 +2109,7 @@
           <a:p>
             <a:fld id="{1B18B556-6596-E04A-9A94-BF47DB4EF23C}" type="datetimeFigureOut">
               <a:rPr lang="en-TW" smtClean="0"/>
-              <a:t>2025/10/2</a:t>
+              <a:t>2025/10/17</a:t>
             </a:fld>
             <a:endParaRPr lang="en-TW"/>
           </a:p>
@@ -2377,7 +2377,7 @@
           <a:p>
             <a:fld id="{1B18B556-6596-E04A-9A94-BF47DB4EF23C}" type="datetimeFigureOut">
               <a:rPr lang="en-TW" smtClean="0"/>
-              <a:t>2025/10/2</a:t>
+              <a:t>2025/10/17</a:t>
             </a:fld>
             <a:endParaRPr lang="en-TW"/>
           </a:p>
@@ -2792,7 +2792,7 @@
           <a:p>
             <a:fld id="{1B18B556-6596-E04A-9A94-BF47DB4EF23C}" type="datetimeFigureOut">
               <a:rPr lang="en-TW" smtClean="0"/>
-              <a:t>2025/10/2</a:t>
+              <a:t>2025/10/17</a:t>
             </a:fld>
             <a:endParaRPr lang="en-TW"/>
           </a:p>
@@ -2934,7 +2934,7 @@
           <a:p>
             <a:fld id="{1B18B556-6596-E04A-9A94-BF47DB4EF23C}" type="datetimeFigureOut">
               <a:rPr lang="en-TW" smtClean="0"/>
-              <a:t>2025/10/2</a:t>
+              <a:t>2025/10/17</a:t>
             </a:fld>
             <a:endParaRPr lang="en-TW"/>
           </a:p>
@@ -3042,8 +3042,8 @@
         </p:nvSpPr>
         <p:spPr>
           <a:xfrm>
-            <a:off x="930985" y="1174068"/>
-            <a:ext cx="4500000" cy="4500000"/>
+            <a:off x="152399" y="773778"/>
+            <a:ext cx="5760000" cy="5760000"/>
           </a:xfrm>
         </p:spPr>
         <p:txBody>
@@ -3105,8 +3105,8 @@
         </p:nvSpPr>
         <p:spPr>
           <a:xfrm>
-            <a:off x="6761012" y="1174068"/>
-            <a:ext cx="4500000" cy="4500000"/>
+            <a:off x="6279602" y="773778"/>
+            <a:ext cx="5760000" cy="5760000"/>
           </a:xfrm>
         </p:spPr>
         <p:txBody>
@@ -3115,38 +3115,38 @@
           <a:p>
             <a:pPr lvl="0"/>
             <a:r>
-              <a:rPr lang="en-US" altLang="zh-TW"/>
+              <a:rPr lang="en-US" altLang="zh-TW" dirty="0"/>
               <a:t>Click to edit Master text styles</a:t>
             </a:r>
           </a:p>
           <a:p>
             <a:pPr lvl="1"/>
             <a:r>
-              <a:rPr lang="en-US" altLang="zh-TW"/>
+              <a:rPr lang="en-US" altLang="zh-TW" dirty="0"/>
               <a:t>Second level</a:t>
             </a:r>
           </a:p>
           <a:p>
             <a:pPr lvl="2"/>
             <a:r>
-              <a:rPr lang="en-US" altLang="zh-TW"/>
+              <a:rPr lang="en-US" altLang="zh-TW" dirty="0"/>
               <a:t>Third level</a:t>
             </a:r>
           </a:p>
           <a:p>
             <a:pPr lvl="3"/>
             <a:r>
-              <a:rPr lang="en-US" altLang="zh-TW"/>
+              <a:rPr lang="en-US" altLang="zh-TW" dirty="0"/>
               <a:t>Fourth level</a:t>
             </a:r>
           </a:p>
           <a:p>
             <a:pPr lvl="4"/>
             <a:r>
-              <a:rPr lang="en-US" altLang="zh-TW"/>
+              <a:rPr lang="en-US" altLang="zh-TW" dirty="0"/>
               <a:t>Fifth level</a:t>
             </a:r>
-            <a:endParaRPr lang="en-TW"/>
+            <a:endParaRPr lang="en-TW" dirty="0"/>
           </a:p>
         </p:txBody>
       </p:sp>
@@ -3164,14 +3164,29 @@
         </p:nvSpPr>
         <p:spPr>
           <a:xfrm>
-            <a:off x="2157255" y="634519"/>
-            <a:ext cx="2047461" cy="369332"/>
+            <a:off x="5178287" y="0"/>
+            <a:ext cx="917713" cy="369332"/>
           </a:xfrm>
           <a:prstGeom prst="rect">
             <a:avLst/>
           </a:prstGeom>
-          <a:noFill/>
         </p:spPr>
+        <p:style>
+          <a:lnRef idx="2">
+            <a:schemeClr val="dk1">
+              <a:shade val="15000"/>
+            </a:schemeClr>
+          </a:lnRef>
+          <a:fillRef idx="1">
+            <a:schemeClr val="dk1"/>
+          </a:fillRef>
+          <a:effectRef idx="0">
+            <a:schemeClr val="dk1"/>
+          </a:effectRef>
+          <a:fontRef idx="minor">
+            <a:schemeClr val="lt1"/>
+          </a:fontRef>
+        </p:style>
         <p:txBody>
           <a:bodyPr wrap="square" rtlCol="0" anchor="ctr">
             <a:spAutoFit/>
@@ -3200,14 +3215,29 @@
         </p:nvSpPr>
         <p:spPr>
           <a:xfrm>
-            <a:off x="7987282" y="634519"/>
-            <a:ext cx="2047461" cy="369332"/>
+            <a:off x="6096001" y="0"/>
+            <a:ext cx="917714" cy="369332"/>
           </a:xfrm>
           <a:prstGeom prst="rect">
             <a:avLst/>
           </a:prstGeom>
-          <a:noFill/>
         </p:spPr>
+        <p:style>
+          <a:lnRef idx="2">
+            <a:schemeClr val="accent1">
+              <a:shade val="15000"/>
+            </a:schemeClr>
+          </a:lnRef>
+          <a:fillRef idx="1">
+            <a:schemeClr val="accent1"/>
+          </a:fillRef>
+          <a:effectRef idx="0">
+            <a:schemeClr val="accent1"/>
+          </a:effectRef>
+          <a:fontRef idx="minor">
+            <a:schemeClr val="lt1"/>
+          </a:fontRef>
+        </p:style>
         <p:txBody>
           <a:bodyPr wrap="square" rtlCol="0" anchor="ctr">
             <a:spAutoFit/>
@@ -3240,8 +3270,8 @@
         </p:nvSpPr>
         <p:spPr>
           <a:xfrm>
-            <a:off x="7698943" y="5754688"/>
-            <a:ext cx="2624138" cy="1103312"/>
+            <a:off x="7244862" y="-11668"/>
+            <a:ext cx="4970330" cy="762000"/>
           </a:xfrm>
           <a:solidFill>
             <a:schemeClr val="bg1"/>
@@ -3264,7 +3294,7 @@
           <a:p>
             <a:pPr lvl="0"/>
             <a:r>
-              <a:rPr lang="en-US" altLang="zh-TW"/>
+              <a:rPr lang="en-US" altLang="zh-TW" dirty="0"/>
               <a:t>Click to edit Master text styles</a:t>
             </a:r>
           </a:p>
@@ -3746,7 +3776,7 @@
           <a:p>
             <a:fld id="{1B18B556-6596-E04A-9A94-BF47DB4EF23C}" type="datetimeFigureOut">
               <a:rPr lang="en-TW" smtClean="0"/>
-              <a:t>2025/10/2</a:t>
+              <a:t>2025/10/17</a:t>
             </a:fld>
             <a:endParaRPr lang="en-TW"/>
           </a:p>
@@ -3989,7 +4019,7 @@
           <a:p>
             <a:fld id="{1B18B556-6596-E04A-9A94-BF47DB4EF23C}" type="datetimeFigureOut">
               <a:rPr lang="en-TW" smtClean="0"/>
-              <a:t>2025/10/2</a:t>
+              <a:t>2025/10/17</a:t>
             </a:fld>
             <a:endParaRPr lang="en-TW"/>
           </a:p>
